--- a/Group 01 Final Submission Presentation.pptx
+++ b/Group 01 Final Submission Presentation.pptx
@@ -7,6 +7,11 @@
   <p:sldIdLst>
     <p:sldId id="256" r:id="rId2"/>
     <p:sldId id="257" r:id="rId3"/>
+    <p:sldId id="258" r:id="rId4"/>
+    <p:sldId id="259" r:id="rId5"/>
+    <p:sldId id="260" r:id="rId6"/>
+    <p:sldId id="262" r:id="rId7"/>
+    <p:sldId id="263" r:id="rId8"/>
   </p:sldIdLst>
   <p:sldSz cx="12192000" cy="6858000"/>
   <p:notesSz cx="6858000" cy="9144000"/>
@@ -107,7 +112,7 @@
   </p:defaultTextStyle>
   <p:extLst>
     <p:ext uri="{EFAFB233-063F-42B5-8137-9DF3F51BA10A}">
-      <p15:sldGuideLst xmlns:p15="http://schemas.microsoft.com/office/powerpoint/2012/main"/>
+      <p15:sldGuideLst xmlns:p15="http://schemas.microsoft.com/office/powerpoint/2012/main" xmlns=""/>
     </p:ext>
   </p:extLst>
 </p:presentation>
@@ -299,7 +304,8 @@
           <a:p>
             <a:fld id="{4AAD347D-5ACD-4C99-B74B-A9C85AD731AF}" type="datetimeFigureOut">
               <a:rPr lang="en-US" smtClean="0"/>
-              <a:t>4/10/2017</a:t>
+              <a:pPr/>
+              <a:t>4/13/2017</a:t>
             </a:fld>
             <a:endParaRPr lang="en-US" dirty="0"/>
           </a:p>
@@ -341,6 +347,7 @@
           <a:p>
             <a:fld id="{D57F1E4F-1CFF-5643-939E-02111984F565}" type="slidenum">
               <a:rPr lang="en-US" smtClean="0"/>
+              <a:pPr/>
               <a:t>‹#›</a:t>
             </a:fld>
             <a:endParaRPr lang="en-US" dirty="0"/>
@@ -350,7 +357,7 @@
     </p:spTree>
     <p:extLst>
       <p:ext uri="{BB962C8B-B14F-4D97-AF65-F5344CB8AC3E}">
-        <p14:creationId xmlns:p14="http://schemas.microsoft.com/office/powerpoint/2010/main" val="31708579"/>
+        <p14:creationId xmlns:p14="http://schemas.microsoft.com/office/powerpoint/2010/main" xmlns="" val="31708579"/>
       </p:ext>
     </p:extLst>
   </p:cSld>
@@ -574,7 +581,8 @@
           <a:p>
             <a:fld id="{4509A250-FF31-4206-8172-F9D3106AACB1}" type="datetimeFigureOut">
               <a:rPr lang="en-US" smtClean="0"/>
-              <a:t>4/10/2017</a:t>
+              <a:pPr/>
+              <a:t>4/13/2017</a:t>
             </a:fld>
             <a:endParaRPr lang="en-US" dirty="0"/>
           </a:p>
@@ -616,6 +624,7 @@
           <a:p>
             <a:fld id="{D57F1E4F-1CFF-5643-939E-02111984F565}" type="slidenum">
               <a:rPr lang="en-US" smtClean="0"/>
+              <a:pPr/>
               <a:t>‹#›</a:t>
             </a:fld>
             <a:endParaRPr lang="en-US" dirty="0"/>
@@ -625,7 +634,7 @@
     </p:spTree>
     <p:extLst>
       <p:ext uri="{BB962C8B-B14F-4D97-AF65-F5344CB8AC3E}">
-        <p14:creationId xmlns:p14="http://schemas.microsoft.com/office/powerpoint/2010/main" val="2150379789"/>
+        <p14:creationId xmlns:p14="http://schemas.microsoft.com/office/powerpoint/2010/main" xmlns="" val="2150379789"/>
       </p:ext>
     </p:extLst>
   </p:cSld>
@@ -768,7 +777,8 @@
           <a:p>
             <a:fld id="{4509A250-FF31-4206-8172-F9D3106AACB1}" type="datetimeFigureOut">
               <a:rPr lang="en-US" smtClean="0"/>
-              <a:t>4/10/2017</a:t>
+              <a:pPr/>
+              <a:t>4/13/2017</a:t>
             </a:fld>
             <a:endParaRPr lang="en-US" dirty="0"/>
           </a:p>
@@ -810,6 +820,7 @@
           <a:p>
             <a:fld id="{D57F1E4F-1CFF-5643-939E-02111984F565}" type="slidenum">
               <a:rPr lang="en-US" smtClean="0"/>
+              <a:pPr/>
               <a:t>‹#›</a:t>
             </a:fld>
             <a:endParaRPr lang="en-US" dirty="0"/>
@@ -819,7 +830,7 @@
     </p:spTree>
     <p:extLst>
       <p:ext uri="{BB962C8B-B14F-4D97-AF65-F5344CB8AC3E}">
-        <p14:creationId xmlns:p14="http://schemas.microsoft.com/office/powerpoint/2010/main" val="162706407"/>
+        <p14:creationId xmlns:p14="http://schemas.microsoft.com/office/powerpoint/2010/main" xmlns="" val="162706407"/>
       </p:ext>
     </p:extLst>
   </p:cSld>
@@ -1041,7 +1052,8 @@
           <a:p>
             <a:fld id="{4509A250-FF31-4206-8172-F9D3106AACB1}" type="datetimeFigureOut">
               <a:rPr lang="en-US" smtClean="0"/>
-              <a:t>4/10/2017</a:t>
+              <a:pPr/>
+              <a:t>4/13/2017</a:t>
             </a:fld>
             <a:endParaRPr lang="en-US" dirty="0"/>
           </a:p>
@@ -1083,6 +1095,7 @@
           <a:p>
             <a:fld id="{D57F1E4F-1CFF-5643-939E-02111984F565}" type="slidenum">
               <a:rPr lang="en-US" smtClean="0"/>
+              <a:pPr/>
               <a:t>‹#›</a:t>
             </a:fld>
             <a:endParaRPr lang="en-US" dirty="0"/>
@@ -1186,7 +1199,7 @@
     </p:spTree>
     <p:extLst>
       <p:ext uri="{BB962C8B-B14F-4D97-AF65-F5344CB8AC3E}">
-        <p14:creationId xmlns:p14="http://schemas.microsoft.com/office/powerpoint/2010/main" val="3565643316"/>
+        <p14:creationId xmlns:p14="http://schemas.microsoft.com/office/powerpoint/2010/main" xmlns="" val="3565643316"/>
       </p:ext>
     </p:extLst>
   </p:cSld>
@@ -1382,7 +1395,8 @@
           <a:p>
             <a:fld id="{4509A250-FF31-4206-8172-F9D3106AACB1}" type="datetimeFigureOut">
               <a:rPr lang="en-US" smtClean="0"/>
-              <a:t>4/10/2017</a:t>
+              <a:pPr/>
+              <a:t>4/13/2017</a:t>
             </a:fld>
             <a:endParaRPr lang="en-US" dirty="0"/>
           </a:p>
@@ -1424,6 +1438,7 @@
           <a:p>
             <a:fld id="{D57F1E4F-1CFF-5643-939E-02111984F565}" type="slidenum">
               <a:rPr lang="en-US" smtClean="0"/>
+              <a:pPr/>
               <a:t>‹#›</a:t>
             </a:fld>
             <a:endParaRPr lang="en-US" dirty="0"/>
@@ -1433,7 +1448,7 @@
     </p:spTree>
     <p:extLst>
       <p:ext uri="{BB962C8B-B14F-4D97-AF65-F5344CB8AC3E}">
-        <p14:creationId xmlns:p14="http://schemas.microsoft.com/office/powerpoint/2010/main" val="606202204"/>
+        <p14:creationId xmlns:p14="http://schemas.microsoft.com/office/powerpoint/2010/main" xmlns="" val="606202204"/>
       </p:ext>
     </p:extLst>
   </p:cSld>
@@ -2005,7 +2020,8 @@
           <a:p>
             <a:fld id="{4509A250-FF31-4206-8172-F9D3106AACB1}" type="datetimeFigureOut">
               <a:rPr lang="en-US" smtClean="0"/>
-              <a:t>4/10/2017</a:t>
+              <a:pPr/>
+              <a:t>4/13/2017</a:t>
             </a:fld>
             <a:endParaRPr lang="en-US" dirty="0"/>
           </a:p>
@@ -2047,6 +2063,7 @@
           <a:p>
             <a:fld id="{D57F1E4F-1CFF-5643-939E-02111984F565}" type="slidenum">
               <a:rPr lang="en-US" smtClean="0"/>
+              <a:pPr/>
               <a:t>‹#›</a:t>
             </a:fld>
             <a:endParaRPr lang="en-US" dirty="0"/>
@@ -2056,7 +2073,7 @@
     </p:spTree>
     <p:extLst>
       <p:ext uri="{BB962C8B-B14F-4D97-AF65-F5344CB8AC3E}">
-        <p14:creationId xmlns:p14="http://schemas.microsoft.com/office/powerpoint/2010/main" val="3887159050"/>
+        <p14:creationId xmlns:p14="http://schemas.microsoft.com/office/powerpoint/2010/main" xmlns="" val="3887159050"/>
       </p:ext>
     </p:extLst>
   </p:cSld>
@@ -2865,7 +2882,8 @@
           <a:p>
             <a:fld id="{4509A250-FF31-4206-8172-F9D3106AACB1}" type="datetimeFigureOut">
               <a:rPr lang="en-US" smtClean="0"/>
-              <a:t>4/10/2017</a:t>
+              <a:pPr/>
+              <a:t>4/13/2017</a:t>
             </a:fld>
             <a:endParaRPr lang="en-US" dirty="0"/>
           </a:p>
@@ -2907,6 +2925,7 @@
           <a:p>
             <a:fld id="{D57F1E4F-1CFF-5643-939E-02111984F565}" type="slidenum">
               <a:rPr lang="en-US" smtClean="0"/>
+              <a:pPr/>
               <a:t>‹#›</a:t>
             </a:fld>
             <a:endParaRPr lang="en-US" dirty="0"/>
@@ -2916,7 +2935,7 @@
     </p:spTree>
     <p:extLst>
       <p:ext uri="{BB962C8B-B14F-4D97-AF65-F5344CB8AC3E}">
-        <p14:creationId xmlns:p14="http://schemas.microsoft.com/office/powerpoint/2010/main" val="1418915303"/>
+        <p14:creationId xmlns:p14="http://schemas.microsoft.com/office/powerpoint/2010/main" xmlns="" val="1418915303"/>
       </p:ext>
     </p:extLst>
   </p:cSld>
@@ -3035,7 +3054,8 @@
           <a:p>
             <a:fld id="{4509A250-FF31-4206-8172-F9D3106AACB1}" type="datetimeFigureOut">
               <a:rPr lang="en-US" smtClean="0"/>
-              <a:t>4/10/2017</a:t>
+              <a:pPr/>
+              <a:t>4/13/2017</a:t>
             </a:fld>
             <a:endParaRPr lang="en-US" dirty="0"/>
           </a:p>
@@ -3077,6 +3097,7 @@
           <a:p>
             <a:fld id="{D57F1E4F-1CFF-5643-939E-02111984F565}" type="slidenum">
               <a:rPr lang="en-US" smtClean="0"/>
+              <a:pPr/>
               <a:t>‹#›</a:t>
             </a:fld>
             <a:endParaRPr lang="en-US" dirty="0"/>
@@ -3086,7 +3107,7 @@
     </p:spTree>
     <p:extLst>
       <p:ext uri="{BB962C8B-B14F-4D97-AF65-F5344CB8AC3E}">
-        <p14:creationId xmlns:p14="http://schemas.microsoft.com/office/powerpoint/2010/main" val="619898145"/>
+        <p14:creationId xmlns:p14="http://schemas.microsoft.com/office/powerpoint/2010/main" xmlns="" val="619898145"/>
       </p:ext>
     </p:extLst>
   </p:cSld>
@@ -3215,7 +3236,8 @@
           <a:p>
             <a:fld id="{4509A250-FF31-4206-8172-F9D3106AACB1}" type="datetimeFigureOut">
               <a:rPr lang="en-US" smtClean="0"/>
-              <a:t>4/10/2017</a:t>
+              <a:pPr/>
+              <a:t>4/13/2017</a:t>
             </a:fld>
             <a:endParaRPr lang="en-US" dirty="0"/>
           </a:p>
@@ -3257,6 +3279,7 @@
           <a:p>
             <a:fld id="{D57F1E4F-1CFF-5643-939E-02111984F565}" type="slidenum">
               <a:rPr lang="en-US" smtClean="0"/>
+              <a:pPr/>
               <a:t>‹#›</a:t>
             </a:fld>
             <a:endParaRPr lang="en-US" dirty="0"/>
@@ -3266,7 +3289,7 @@
     </p:spTree>
     <p:extLst>
       <p:ext uri="{BB962C8B-B14F-4D97-AF65-F5344CB8AC3E}">
-        <p14:creationId xmlns:p14="http://schemas.microsoft.com/office/powerpoint/2010/main" val="164257193"/>
+        <p14:creationId xmlns:p14="http://schemas.microsoft.com/office/powerpoint/2010/main" xmlns="" val="164257193"/>
       </p:ext>
     </p:extLst>
   </p:cSld>
@@ -3385,7 +3408,8 @@
           <a:p>
             <a:fld id="{9796027F-7875-4030-9381-8BD8C4F21935}" type="datetimeFigureOut">
               <a:rPr lang="en-US" smtClean="0"/>
-              <a:t>4/10/2017</a:t>
+              <a:pPr/>
+              <a:t>4/13/2017</a:t>
             </a:fld>
             <a:endParaRPr lang="en-US" dirty="0"/>
           </a:p>
@@ -3427,6 +3451,7 @@
           <a:p>
             <a:fld id="{D57F1E4F-1CFF-5643-939E-02111984F565}" type="slidenum">
               <a:rPr lang="en-US" smtClean="0"/>
+              <a:pPr/>
               <a:t>‹#›</a:t>
             </a:fld>
             <a:endParaRPr lang="en-US" dirty="0"/>
@@ -3436,7 +3461,7 @@
     </p:spTree>
     <p:extLst>
       <p:ext uri="{BB962C8B-B14F-4D97-AF65-F5344CB8AC3E}">
-        <p14:creationId xmlns:p14="http://schemas.microsoft.com/office/powerpoint/2010/main" val="1161976686"/>
+        <p14:creationId xmlns:p14="http://schemas.microsoft.com/office/powerpoint/2010/main" xmlns="" val="1161976686"/>
       </p:ext>
     </p:extLst>
   </p:cSld>
@@ -3632,7 +3657,8 @@
           <a:p>
             <a:fld id="{9796027F-7875-4030-9381-8BD8C4F21935}" type="datetimeFigureOut">
               <a:rPr lang="en-US" smtClean="0"/>
-              <a:t>4/10/2017</a:t>
+              <a:pPr/>
+              <a:t>4/13/2017</a:t>
             </a:fld>
             <a:endParaRPr lang="en-US" dirty="0"/>
           </a:p>
@@ -3674,6 +3700,7 @@
           <a:p>
             <a:fld id="{D57F1E4F-1CFF-5643-939E-02111984F565}" type="slidenum">
               <a:rPr lang="en-US" smtClean="0"/>
+              <a:pPr/>
               <a:t>‹#›</a:t>
             </a:fld>
             <a:endParaRPr lang="en-US" dirty="0"/>
@@ -3683,7 +3710,7 @@
     </p:spTree>
     <p:extLst>
       <p:ext uri="{BB962C8B-B14F-4D97-AF65-F5344CB8AC3E}">
-        <p14:creationId xmlns:p14="http://schemas.microsoft.com/office/powerpoint/2010/main" val="4202448801"/>
+        <p14:creationId xmlns:p14="http://schemas.microsoft.com/office/powerpoint/2010/main" xmlns="" val="4202448801"/>
       </p:ext>
     </p:extLst>
   </p:cSld>
@@ -3924,7 +3951,8 @@
           <a:p>
             <a:fld id="{9796027F-7875-4030-9381-8BD8C4F21935}" type="datetimeFigureOut">
               <a:rPr lang="en-US" smtClean="0"/>
-              <a:t>4/10/2017</a:t>
+              <a:pPr/>
+              <a:t>4/13/2017</a:t>
             </a:fld>
             <a:endParaRPr lang="en-US" dirty="0"/>
           </a:p>
@@ -3966,6 +3994,7 @@
           <a:p>
             <a:fld id="{D57F1E4F-1CFF-5643-939E-02111984F565}" type="slidenum">
               <a:rPr lang="en-US" smtClean="0"/>
+              <a:pPr/>
               <a:t>‹#›</a:t>
             </a:fld>
             <a:endParaRPr lang="en-US" dirty="0"/>
@@ -3975,7 +4004,7 @@
     </p:spTree>
     <p:extLst>
       <p:ext uri="{BB962C8B-B14F-4D97-AF65-F5344CB8AC3E}">
-        <p14:creationId xmlns:p14="http://schemas.microsoft.com/office/powerpoint/2010/main" val="682487708"/>
+        <p14:creationId xmlns:p14="http://schemas.microsoft.com/office/powerpoint/2010/main" xmlns="" val="682487708"/>
       </p:ext>
     </p:extLst>
   </p:cSld>
@@ -4368,7 +4397,8 @@
           <a:p>
             <a:fld id="{9796027F-7875-4030-9381-8BD8C4F21935}" type="datetimeFigureOut">
               <a:rPr lang="en-US" smtClean="0"/>
-              <a:t>4/10/2017</a:t>
+              <a:pPr/>
+              <a:t>4/13/2017</a:t>
             </a:fld>
             <a:endParaRPr lang="en-US" dirty="0"/>
           </a:p>
@@ -4410,6 +4440,7 @@
           <a:p>
             <a:fld id="{D57F1E4F-1CFF-5643-939E-02111984F565}" type="slidenum">
               <a:rPr lang="en-US" smtClean="0"/>
+              <a:pPr/>
               <a:t>‹#›</a:t>
             </a:fld>
             <a:endParaRPr lang="en-US" dirty="0"/>
@@ -4419,7 +4450,7 @@
     </p:spTree>
     <p:extLst>
       <p:ext uri="{BB962C8B-B14F-4D97-AF65-F5344CB8AC3E}">
-        <p14:creationId xmlns:p14="http://schemas.microsoft.com/office/powerpoint/2010/main" val="2132813834"/>
+        <p14:creationId xmlns:p14="http://schemas.microsoft.com/office/powerpoint/2010/main" xmlns="" val="2132813834"/>
       </p:ext>
     </p:extLst>
   </p:cSld>
@@ -4486,7 +4517,8 @@
           <a:p>
             <a:fld id="{4509A250-FF31-4206-8172-F9D3106AACB1}" type="datetimeFigureOut">
               <a:rPr lang="en-US" smtClean="0"/>
-              <a:t>4/10/2017</a:t>
+              <a:pPr/>
+              <a:t>4/13/2017</a:t>
             </a:fld>
             <a:endParaRPr lang="en-US" dirty="0"/>
           </a:p>
@@ -4528,6 +4560,7 @@
           <a:p>
             <a:fld id="{D57F1E4F-1CFF-5643-939E-02111984F565}" type="slidenum">
               <a:rPr lang="en-US" smtClean="0"/>
+              <a:pPr/>
               <a:t>‹#›</a:t>
             </a:fld>
             <a:endParaRPr lang="en-US" dirty="0"/>
@@ -4537,7 +4570,7 @@
     </p:spTree>
     <p:extLst>
       <p:ext uri="{BB962C8B-B14F-4D97-AF65-F5344CB8AC3E}">
-        <p14:creationId xmlns:p14="http://schemas.microsoft.com/office/powerpoint/2010/main" val="3326642837"/>
+        <p14:creationId xmlns:p14="http://schemas.microsoft.com/office/powerpoint/2010/main" xmlns="" val="3326642837"/>
       </p:ext>
     </p:extLst>
   </p:cSld>
@@ -4581,7 +4614,8 @@
           <a:p>
             <a:fld id="{4509A250-FF31-4206-8172-F9D3106AACB1}" type="datetimeFigureOut">
               <a:rPr lang="en-US" smtClean="0"/>
-              <a:t>4/10/2017</a:t>
+              <a:pPr/>
+              <a:t>4/13/2017</a:t>
             </a:fld>
             <a:endParaRPr lang="en-US" dirty="0"/>
           </a:p>
@@ -4623,6 +4657,7 @@
           <a:p>
             <a:fld id="{D57F1E4F-1CFF-5643-939E-02111984F565}" type="slidenum">
               <a:rPr lang="en-US" smtClean="0"/>
+              <a:pPr/>
               <a:t>‹#›</a:t>
             </a:fld>
             <a:endParaRPr lang="en-US" dirty="0"/>
@@ -4632,7 +4667,7 @@
     </p:spTree>
     <p:extLst>
       <p:ext uri="{BB962C8B-B14F-4D97-AF65-F5344CB8AC3E}">
-        <p14:creationId xmlns:p14="http://schemas.microsoft.com/office/powerpoint/2010/main" val="1918024605"/>
+        <p14:creationId xmlns:p14="http://schemas.microsoft.com/office/powerpoint/2010/main" xmlns="" val="1918024605"/>
       </p:ext>
     </p:extLst>
   </p:cSld>
@@ -4860,7 +4895,8 @@
           <a:p>
             <a:fld id="{4509A250-FF31-4206-8172-F9D3106AACB1}" type="datetimeFigureOut">
               <a:rPr lang="en-US" smtClean="0"/>
-              <a:t>4/10/2017</a:t>
+              <a:pPr/>
+              <a:t>4/13/2017</a:t>
             </a:fld>
             <a:endParaRPr lang="en-US" dirty="0"/>
           </a:p>
@@ -4902,6 +4938,7 @@
           <a:p>
             <a:fld id="{D57F1E4F-1CFF-5643-939E-02111984F565}" type="slidenum">
               <a:rPr lang="en-US" smtClean="0"/>
+              <a:pPr/>
               <a:t>‹#›</a:t>
             </a:fld>
             <a:endParaRPr lang="en-US" dirty="0"/>
@@ -4911,7 +4948,7 @@
     </p:spTree>
     <p:extLst>
       <p:ext uri="{BB962C8B-B14F-4D97-AF65-F5344CB8AC3E}">
-        <p14:creationId xmlns:p14="http://schemas.microsoft.com/office/powerpoint/2010/main" val="1571191111"/>
+        <p14:creationId xmlns:p14="http://schemas.microsoft.com/office/powerpoint/2010/main" xmlns="" val="1571191111"/>
       </p:ext>
     </p:extLst>
   </p:cSld>
@@ -5135,7 +5172,8 @@
           <a:p>
             <a:fld id="{4509A250-FF31-4206-8172-F9D3106AACB1}" type="datetimeFigureOut">
               <a:rPr lang="en-US" smtClean="0"/>
-              <a:t>4/10/2017</a:t>
+              <a:pPr/>
+              <a:t>4/13/2017</a:t>
             </a:fld>
             <a:endParaRPr lang="en-US" dirty="0"/>
           </a:p>
@@ -5177,6 +5215,7 @@
           <a:p>
             <a:fld id="{D57F1E4F-1CFF-5643-939E-02111984F565}" type="slidenum">
               <a:rPr lang="en-US" smtClean="0"/>
+              <a:pPr/>
               <a:t>‹#›</a:t>
             </a:fld>
             <a:endParaRPr lang="en-US" dirty="0"/>
@@ -5186,7 +5225,7 @@
     </p:spTree>
     <p:extLst>
       <p:ext uri="{BB962C8B-B14F-4D97-AF65-F5344CB8AC3E}">
-        <p14:creationId xmlns:p14="http://schemas.microsoft.com/office/powerpoint/2010/main" val="3089929178"/>
+        <p14:creationId xmlns:p14="http://schemas.microsoft.com/office/powerpoint/2010/main" xmlns="" val="3089929178"/>
       </p:ext>
     </p:extLst>
   </p:cSld>
@@ -5230,7 +5269,7 @@
           <a:blip r:embed="rId19">
             <a:extLst>
               <a:ext uri="{28A0092B-C50C-407E-A947-70E740481C1C}">
-                <a14:useLocalDpi xmlns:a14="http://schemas.microsoft.com/office/drawing/2010/main" val="0"/>
+                <a14:useLocalDpi xmlns:a14="http://schemas.microsoft.com/office/drawing/2010/main" xmlns="" val="0"/>
               </a:ext>
             </a:extLst>
           </a:blip>
@@ -5259,7 +5298,7 @@
           <a:blip r:embed="rId20">
             <a:extLst>
               <a:ext uri="{28A0092B-C50C-407E-A947-70E740481C1C}">
-                <a14:useLocalDpi xmlns:a14="http://schemas.microsoft.com/office/drawing/2010/main" val="0"/>
+                <a14:useLocalDpi xmlns:a14="http://schemas.microsoft.com/office/drawing/2010/main" xmlns="" val="0"/>
               </a:ext>
             </a:extLst>
           </a:blip>
@@ -5351,7 +5390,7 @@
           <a:blip r:embed="rId21">
             <a:extLst>
               <a:ext uri="{28A0092B-C50C-407E-A947-70E740481C1C}">
-                <a14:useLocalDpi xmlns:a14="http://schemas.microsoft.com/office/drawing/2010/main" val="0"/>
+                <a14:useLocalDpi xmlns:a14="http://schemas.microsoft.com/office/drawing/2010/main" xmlns="" val="0"/>
               </a:ext>
             </a:extLst>
           </a:blip>
@@ -5380,7 +5419,7 @@
           <a:blip r:embed="rId22">
             <a:extLst>
               <a:ext uri="{28A0092B-C50C-407E-A947-70E740481C1C}">
-                <a14:useLocalDpi xmlns:a14="http://schemas.microsoft.com/office/drawing/2010/main" val="0"/>
+                <a14:useLocalDpi xmlns:a14="http://schemas.microsoft.com/office/drawing/2010/main" xmlns="" val="0"/>
               </a:ext>
             </a:extLst>
           </a:blip>
@@ -5564,7 +5603,8 @@
           <a:p>
             <a:fld id="{4AAD347D-5ACD-4C99-B74B-A9C85AD731AF}" type="datetimeFigureOut">
               <a:rPr lang="en-US" smtClean="0"/>
-              <a:t>4/10/2017</a:t>
+              <a:pPr/>
+              <a:t>4/13/2017</a:t>
             </a:fld>
             <a:endParaRPr lang="en-US" dirty="0"/>
           </a:p>
@@ -5643,6 +5683,7 @@
           <a:p>
             <a:fld id="{D57F1E4F-1CFF-5643-939E-02111984F565}" type="slidenum">
               <a:rPr lang="en-US" smtClean="0"/>
+              <a:pPr/>
               <a:t>‹#›</a:t>
             </a:fld>
             <a:endParaRPr lang="en-US" dirty="0"/>
@@ -5652,7 +5693,7 @@
     </p:spTree>
     <p:extLst>
       <p:ext uri="{BB962C8B-B14F-4D97-AF65-F5344CB8AC3E}">
-        <p14:creationId xmlns:p14="http://schemas.microsoft.com/office/powerpoint/2010/main" val="3093981628"/>
+        <p14:creationId xmlns:p14="http://schemas.microsoft.com/office/powerpoint/2010/main" xmlns="" val="3093981628"/>
       </p:ext>
     </p:extLst>
   </p:cSld>
@@ -6148,7 +6189,7 @@
     </p:spTree>
     <p:extLst>
       <p:ext uri="{BB962C8B-B14F-4D97-AF65-F5344CB8AC3E}">
-        <p14:creationId xmlns:p14="http://schemas.microsoft.com/office/powerpoint/2010/main" val="3479275048"/>
+        <p14:creationId xmlns:p14="http://schemas.microsoft.com/office/powerpoint/2010/main" xmlns="" val="3479275048"/>
       </p:ext>
     </p:extLst>
   </p:cSld>
@@ -6190,7 +6231,11 @@
           <a:bodyPr/>
           <a:lstStyle/>
           <a:p>
-            <a:endParaRPr lang="en-NZ"/>
+            <a:r>
+              <a:rPr lang="en-NZ" dirty="0" smtClean="0"/>
+              <a:t>Overview</a:t>
+            </a:r>
+            <a:endParaRPr lang="en-NZ" dirty="0"/>
           </a:p>
         </p:txBody>
       </p:sp>
@@ -6209,16 +6254,434 @@
           <a:bodyPr/>
           <a:lstStyle/>
           <a:p>
-            <a:endParaRPr lang="en-NZ"/>
+            <a:endParaRPr lang="en-NZ" dirty="0" smtClean="0"/>
+          </a:p>
+          <a:p>
+            <a:r>
+              <a:rPr lang="en-NZ" dirty="0" smtClean="0"/>
+              <a:t> </a:t>
+            </a:r>
+            <a:r>
+              <a:rPr lang="en-NZ" dirty="0" smtClean="0"/>
+              <a:t>VERY </a:t>
+            </a:r>
+            <a:r>
+              <a:rPr lang="en-NZ" dirty="0" smtClean="0"/>
+              <a:t>brief overview of the brief/requirements </a:t>
+            </a:r>
+          </a:p>
+          <a:p>
+            <a:endParaRPr lang="en-NZ" dirty="0"/>
           </a:p>
         </p:txBody>
       </p:sp>
     </p:spTree>
     <p:extLst>
       <p:ext uri="{BB962C8B-B14F-4D97-AF65-F5344CB8AC3E}">
-        <p14:creationId xmlns:p14="http://schemas.microsoft.com/office/powerpoint/2010/main" val="1203431899"/>
+        <p14:creationId xmlns:p14="http://schemas.microsoft.com/office/powerpoint/2010/main" xmlns="" val="1203431899"/>
       </p:ext>
     </p:extLst>
+  </p:cSld>
+  <p:clrMapOvr>
+    <a:masterClrMapping/>
+  </p:clrMapOvr>
+</p:sld>
+</file>
+
+<file path=ppt/slides/slide3.xml><?xml version="1.0" encoding="utf-8"?>
+<p:sld xmlns:a="http://schemas.openxmlformats.org/drawingml/2006/main" xmlns:r="http://schemas.openxmlformats.org/officeDocument/2006/relationships" xmlns:p="http://schemas.openxmlformats.org/presentationml/2006/main">
+  <p:cSld>
+    <p:spTree>
+      <p:nvGrpSpPr>
+        <p:cNvPr id="1" name=""/>
+        <p:cNvGrpSpPr/>
+        <p:nvPr/>
+      </p:nvGrpSpPr>
+      <p:grpSpPr>
+        <a:xfrm>
+          <a:off x="0" y="0"/>
+          <a:ext cx="0" cy="0"/>
+          <a:chOff x="0" y="0"/>
+          <a:chExt cx="0" cy="0"/>
+        </a:xfrm>
+      </p:grpSpPr>
+      <p:sp>
+        <p:nvSpPr>
+          <p:cNvPr id="2" name="Title 1"/>
+          <p:cNvSpPr>
+            <a:spLocks noGrp="1"/>
+          </p:cNvSpPr>
+          <p:nvPr>
+            <p:ph type="title"/>
+          </p:nvPr>
+        </p:nvSpPr>
+        <p:spPr/>
+        <p:txBody>
+          <a:bodyPr/>
+          <a:lstStyle/>
+          <a:p>
+            <a:r>
+              <a:rPr lang="en-NZ" dirty="0" smtClean="0"/>
+              <a:t>System architecture</a:t>
+            </a:r>
+            <a:endParaRPr lang="en-NZ" dirty="0"/>
+          </a:p>
+        </p:txBody>
+      </p:sp>
+      <p:sp>
+        <p:nvSpPr>
+          <p:cNvPr id="3" name="Content Placeholder 2"/>
+          <p:cNvSpPr>
+            <a:spLocks noGrp="1"/>
+          </p:cNvSpPr>
+          <p:nvPr>
+            <p:ph idx="1"/>
+          </p:nvPr>
+        </p:nvSpPr>
+        <p:spPr/>
+        <p:txBody>
+          <a:bodyPr/>
+          <a:lstStyle/>
+          <a:p>
+            <a:pPr>
+              <a:buNone/>
+            </a:pPr>
+            <a:endParaRPr lang="en-NZ" dirty="0" smtClean="0"/>
+          </a:p>
+          <a:p>
+            <a:r>
+              <a:rPr lang="en-NZ" dirty="0" smtClean="0"/>
+              <a:t>A top-level view of how the system works (diagrams help) </a:t>
+            </a:r>
+          </a:p>
+          <a:p>
+            <a:endParaRPr lang="en-NZ" dirty="0"/>
+          </a:p>
+        </p:txBody>
+      </p:sp>
+    </p:spTree>
+  </p:cSld>
+  <p:clrMapOvr>
+    <a:masterClrMapping/>
+  </p:clrMapOvr>
+</p:sld>
+</file>
+
+<file path=ppt/slides/slide4.xml><?xml version="1.0" encoding="utf-8"?>
+<p:sld xmlns:a="http://schemas.openxmlformats.org/drawingml/2006/main" xmlns:r="http://schemas.openxmlformats.org/officeDocument/2006/relationships" xmlns:p="http://schemas.openxmlformats.org/presentationml/2006/main">
+  <p:cSld>
+    <p:spTree>
+      <p:nvGrpSpPr>
+        <p:cNvPr id="1" name=""/>
+        <p:cNvGrpSpPr/>
+        <p:nvPr/>
+      </p:nvGrpSpPr>
+      <p:grpSpPr>
+        <a:xfrm>
+          <a:off x="0" y="0"/>
+          <a:ext cx="0" cy="0"/>
+          <a:chOff x="0" y="0"/>
+          <a:chExt cx="0" cy="0"/>
+        </a:xfrm>
+      </p:grpSpPr>
+      <p:sp>
+        <p:nvSpPr>
+          <p:cNvPr id="2" name="Title 1"/>
+          <p:cNvSpPr>
+            <a:spLocks noGrp="1"/>
+          </p:cNvSpPr>
+          <p:nvPr>
+            <p:ph type="title"/>
+          </p:nvPr>
+        </p:nvSpPr>
+        <p:spPr/>
+        <p:txBody>
+          <a:bodyPr/>
+          <a:lstStyle/>
+          <a:p>
+            <a:r>
+              <a:rPr lang="en-NZ" dirty="0" smtClean="0"/>
+              <a:t>Warlords - </a:t>
+            </a:r>
+            <a:r>
+              <a:rPr lang="en-NZ" dirty="0" err="1" smtClean="0"/>
+              <a:t>remastered</a:t>
+            </a:r>
+            <a:endParaRPr lang="en-NZ" dirty="0"/>
+          </a:p>
+        </p:txBody>
+      </p:sp>
+      <p:sp>
+        <p:nvSpPr>
+          <p:cNvPr id="3" name="Content Placeholder 2"/>
+          <p:cNvSpPr>
+            <a:spLocks noGrp="1"/>
+          </p:cNvSpPr>
+          <p:nvPr>
+            <p:ph idx="1"/>
+          </p:nvPr>
+        </p:nvSpPr>
+        <p:spPr/>
+        <p:txBody>
+          <a:bodyPr/>
+          <a:lstStyle/>
+          <a:p>
+            <a:pPr>
+              <a:buNone/>
+            </a:pPr>
+            <a:r>
+              <a:rPr lang="en-NZ" dirty="0" smtClean="0"/>
+              <a:t> </a:t>
+            </a:r>
+            <a:endParaRPr lang="en-NZ" dirty="0" smtClean="0"/>
+          </a:p>
+          <a:p>
+            <a:r>
+              <a:rPr lang="en-NZ" dirty="0" smtClean="0"/>
+              <a:t>Evidence that the game is a game that works </a:t>
+            </a:r>
+          </a:p>
+          <a:p>
+            <a:endParaRPr lang="en-NZ" dirty="0"/>
+          </a:p>
+        </p:txBody>
+      </p:sp>
+    </p:spTree>
+  </p:cSld>
+  <p:clrMapOvr>
+    <a:masterClrMapping/>
+  </p:clrMapOvr>
+</p:sld>
+</file>
+
+<file path=ppt/slides/slide5.xml><?xml version="1.0" encoding="utf-8"?>
+<p:sld xmlns:a="http://schemas.openxmlformats.org/drawingml/2006/main" xmlns:r="http://schemas.openxmlformats.org/officeDocument/2006/relationships" xmlns:p="http://schemas.openxmlformats.org/presentationml/2006/main">
+  <p:cSld>
+    <p:spTree>
+      <p:nvGrpSpPr>
+        <p:cNvPr id="1" name=""/>
+        <p:cNvGrpSpPr/>
+        <p:nvPr/>
+      </p:nvGrpSpPr>
+      <p:grpSpPr>
+        <a:xfrm>
+          <a:off x="0" y="0"/>
+          <a:ext cx="0" cy="0"/>
+          <a:chOff x="0" y="0"/>
+          <a:chExt cx="0" cy="0"/>
+        </a:xfrm>
+      </p:grpSpPr>
+      <p:sp>
+        <p:nvSpPr>
+          <p:cNvPr id="2" name="Title 1"/>
+          <p:cNvSpPr>
+            <a:spLocks noGrp="1"/>
+          </p:cNvSpPr>
+          <p:nvPr>
+            <p:ph type="title"/>
+          </p:nvPr>
+        </p:nvSpPr>
+        <p:spPr/>
+        <p:txBody>
+          <a:bodyPr/>
+          <a:lstStyle/>
+          <a:p>
+            <a:r>
+              <a:rPr lang="en-NZ" dirty="0" smtClean="0"/>
+              <a:t>Special features</a:t>
+            </a:r>
+            <a:endParaRPr lang="en-NZ" dirty="0"/>
+          </a:p>
+        </p:txBody>
+      </p:sp>
+      <p:sp>
+        <p:nvSpPr>
+          <p:cNvPr id="3" name="Content Placeholder 2"/>
+          <p:cNvSpPr>
+            <a:spLocks noGrp="1"/>
+          </p:cNvSpPr>
+          <p:nvPr>
+            <p:ph idx="1"/>
+          </p:nvPr>
+        </p:nvSpPr>
+        <p:spPr/>
+        <p:txBody>
+          <a:bodyPr/>
+          <a:lstStyle/>
+          <a:p>
+            <a:pPr>
+              <a:buNone/>
+            </a:pPr>
+            <a:endParaRPr lang="en-NZ" dirty="0" smtClean="0"/>
+          </a:p>
+          <a:p>
+            <a:r>
+              <a:rPr lang="en-NZ" dirty="0" smtClean="0"/>
+              <a:t>Any special features that you want the client to see (including justification) </a:t>
+            </a:r>
+          </a:p>
+          <a:p>
+            <a:r>
+              <a:rPr lang="en-NZ" dirty="0" smtClean="0"/>
+              <a:t>What makes your game different to / better than everyone else’s? </a:t>
+            </a:r>
+          </a:p>
+          <a:p>
+            <a:endParaRPr lang="en-NZ" dirty="0"/>
+          </a:p>
+        </p:txBody>
+      </p:sp>
+    </p:spTree>
+  </p:cSld>
+  <p:clrMapOvr>
+    <a:masterClrMapping/>
+  </p:clrMapOvr>
+</p:sld>
+</file>
+
+<file path=ppt/slides/slide6.xml><?xml version="1.0" encoding="utf-8"?>
+<p:sld xmlns:a="http://schemas.openxmlformats.org/drawingml/2006/main" xmlns:r="http://schemas.openxmlformats.org/officeDocument/2006/relationships" xmlns:p="http://schemas.openxmlformats.org/presentationml/2006/main">
+  <p:cSld>
+    <p:spTree>
+      <p:nvGrpSpPr>
+        <p:cNvPr id="1" name=""/>
+        <p:cNvGrpSpPr/>
+        <p:nvPr/>
+      </p:nvGrpSpPr>
+      <p:grpSpPr>
+        <a:xfrm>
+          <a:off x="0" y="0"/>
+          <a:ext cx="0" cy="0"/>
+          <a:chOff x="0" y="0"/>
+          <a:chExt cx="0" cy="0"/>
+        </a:xfrm>
+      </p:grpSpPr>
+      <p:sp>
+        <p:nvSpPr>
+          <p:cNvPr id="2" name="Title 1"/>
+          <p:cNvSpPr>
+            <a:spLocks noGrp="1"/>
+          </p:cNvSpPr>
+          <p:nvPr>
+            <p:ph type="title"/>
+          </p:nvPr>
+        </p:nvSpPr>
+        <p:spPr/>
+        <p:txBody>
+          <a:bodyPr/>
+          <a:lstStyle/>
+          <a:p>
+            <a:r>
+              <a:rPr lang="en-NZ" dirty="0" smtClean="0"/>
+              <a:t>Current state</a:t>
+            </a:r>
+            <a:endParaRPr lang="en-NZ" dirty="0"/>
+          </a:p>
+        </p:txBody>
+      </p:sp>
+      <p:sp>
+        <p:nvSpPr>
+          <p:cNvPr id="3" name="Content Placeholder 2"/>
+          <p:cNvSpPr>
+            <a:spLocks noGrp="1"/>
+          </p:cNvSpPr>
+          <p:nvPr>
+            <p:ph idx="1"/>
+          </p:nvPr>
+        </p:nvSpPr>
+        <p:spPr/>
+        <p:txBody>
+          <a:bodyPr/>
+          <a:lstStyle/>
+          <a:p>
+            <a:pPr>
+              <a:buNone/>
+            </a:pPr>
+            <a:endParaRPr lang="en-NZ" dirty="0" smtClean="0"/>
+          </a:p>
+          <a:p>
+            <a:r>
+              <a:rPr lang="en-NZ" dirty="0" smtClean="0"/>
+              <a:t>Why should the client pay you (i.e. have you met the project requirements?) </a:t>
+            </a:r>
+          </a:p>
+          <a:p>
+            <a:endParaRPr lang="en-NZ" dirty="0"/>
+          </a:p>
+        </p:txBody>
+      </p:sp>
+    </p:spTree>
+  </p:cSld>
+  <p:clrMapOvr>
+    <a:masterClrMapping/>
+  </p:clrMapOvr>
+</p:sld>
+</file>
+
+<file path=ppt/slides/slide7.xml><?xml version="1.0" encoding="utf-8"?>
+<p:sld xmlns:a="http://schemas.openxmlformats.org/drawingml/2006/main" xmlns:r="http://schemas.openxmlformats.org/officeDocument/2006/relationships" xmlns:p="http://schemas.openxmlformats.org/presentationml/2006/main">
+  <p:cSld>
+    <p:spTree>
+      <p:nvGrpSpPr>
+        <p:cNvPr id="1" name=""/>
+        <p:cNvGrpSpPr/>
+        <p:nvPr/>
+      </p:nvGrpSpPr>
+      <p:grpSpPr>
+        <a:xfrm>
+          <a:off x="0" y="0"/>
+          <a:ext cx="0" cy="0"/>
+          <a:chOff x="0" y="0"/>
+          <a:chExt cx="0" cy="0"/>
+        </a:xfrm>
+      </p:grpSpPr>
+      <p:sp>
+        <p:nvSpPr>
+          <p:cNvPr id="2" name="Title 1"/>
+          <p:cNvSpPr>
+            <a:spLocks noGrp="1"/>
+          </p:cNvSpPr>
+          <p:nvPr>
+            <p:ph type="title"/>
+          </p:nvPr>
+        </p:nvSpPr>
+        <p:spPr/>
+        <p:txBody>
+          <a:bodyPr/>
+          <a:lstStyle/>
+          <a:p>
+            <a:r>
+              <a:rPr lang="en-NZ" dirty="0" smtClean="0"/>
+              <a:t>Future plans</a:t>
+            </a:r>
+            <a:endParaRPr lang="en-NZ" dirty="0"/>
+          </a:p>
+        </p:txBody>
+      </p:sp>
+      <p:sp>
+        <p:nvSpPr>
+          <p:cNvPr id="3" name="Content Placeholder 2"/>
+          <p:cNvSpPr>
+            <a:spLocks noGrp="1"/>
+          </p:cNvSpPr>
+          <p:nvPr>
+            <p:ph idx="1"/>
+          </p:nvPr>
+        </p:nvSpPr>
+        <p:spPr/>
+        <p:txBody>
+          <a:bodyPr/>
+          <a:lstStyle/>
+          <a:p>
+            <a:r>
+              <a:rPr lang="en-NZ" dirty="0" smtClean="0"/>
+              <a:t>Future plans/possibility to build on</a:t>
+            </a:r>
+            <a:endParaRPr lang="en-NZ" dirty="0"/>
+          </a:p>
+        </p:txBody>
+      </p:sp>
+    </p:spTree>
   </p:cSld>
   <p:clrMapOvr>
     <a:masterClrMapping/>
@@ -6269,7 +6732,7 @@
     </a:clrScheme>
     <a:fontScheme name="Ion">
       <a:majorFont>
-        <a:latin typeface="Century Gothic" panose="020B0502020202020204"/>
+        <a:latin typeface="Century Gothic"/>
         <a:ea typeface=""/>
         <a:cs typeface=""/>
         <a:font script="Jpan" typeface="メイリオ"/>
@@ -6304,7 +6767,7 @@
         <a:font script="Geor" typeface="Sylfaen"/>
       </a:majorFont>
       <a:minorFont>
-        <a:latin typeface="Century Gothic" panose="020B0502020202020204"/>
+        <a:latin typeface="Century Gothic"/>
         <a:ea typeface=""/>
         <a:cs typeface=""/>
         <a:font script="Jpan" typeface="メイリオ"/>
@@ -6486,7 +6949,7 @@
   <a:extraClrSchemeLst/>
   <a:extLst>
     <a:ext uri="{05A4C25C-085E-4340-85A3-A5531E510DB2}">
-      <thm15:themeFamily xmlns:thm15="http://schemas.microsoft.com/office/thememl/2012/main" name="Ion" id="{B8441ADB-2E43-4AF7-B97A-BD870242C6A8}" vid="{292E63A9-BB86-4E3D-B92A-7223C6510D2E}"/>
+      <thm15:themeFamily xmlns:thm15="http://schemas.microsoft.com/office/thememl/2012/main" xmlns="" name="Ion" id="{B8441ADB-2E43-4AF7-B97A-BD870242C6A8}" vid="{292E63A9-BB86-4E3D-B92A-7223C6510D2E}"/>
     </a:ext>
   </a:extLst>
 </a:theme>

--- a/Group 01 Final Submission Presentation.pptx
+++ b/Group 01 Final Submission Presentation.pptx
@@ -112,7 +112,7 @@
   </p:defaultTextStyle>
   <p:extLst>
     <p:ext uri="{EFAFB233-063F-42B5-8137-9DF3F51BA10A}">
-      <p15:sldGuideLst xmlns="" xmlns:p15="http://schemas.microsoft.com/office/powerpoint/2012/main"/>
+      <p15:sldGuideLst xmlns:p15="http://schemas.microsoft.com/office/powerpoint/2012/main" xmlns=""/>
     </p:ext>
   </p:extLst>
 </p:presentation>
@@ -3938,7 +3938,7 @@
     </p:spTree>
     <p:extLst>
       <p:ext uri="{BB962C8B-B14F-4D97-AF65-F5344CB8AC3E}">
-        <p14:creationId xmlns="" xmlns:p14="http://schemas.microsoft.com/office/powerpoint/2010/main" val="3479275048"/>
+        <p14:creationId xmlns:p14="http://schemas.microsoft.com/office/powerpoint/2010/main" xmlns="" val="3479275048"/>
       </p:ext>
     </p:extLst>
   </p:cSld>
@@ -4015,11 +4015,7 @@
           <a:p>
             <a:r>
               <a:rPr lang="en-NZ" dirty="0" smtClean="0"/>
-              <a:t> </a:t>
-            </a:r>
-            <a:r>
-              <a:rPr lang="en-NZ" dirty="0" smtClean="0"/>
-              <a:t>Simple, fast-paced game based on Atari’s 1980 Warlords</a:t>
+              <a:t> Simple, fast-paced game based on Atari’s 1980 Warlords</a:t>
             </a:r>
           </a:p>
           <a:p>
@@ -4046,7 +4042,7 @@
     </p:spTree>
     <p:extLst>
       <p:ext uri="{BB962C8B-B14F-4D97-AF65-F5344CB8AC3E}">
-        <p14:creationId xmlns="" xmlns:p14="http://schemas.microsoft.com/office/powerpoint/2010/main" val="1203431899"/>
+        <p14:creationId xmlns:p14="http://schemas.microsoft.com/office/powerpoint/2010/main" xmlns="" val="1203431899"/>
       </p:ext>
     </p:extLst>
   </p:cSld>
@@ -4097,11 +4093,7 @@
           <a:p>
             <a:r>
               <a:rPr lang="en-NZ" dirty="0" smtClean="0"/>
-              <a:t>System </a:t>
-            </a:r>
-            <a:r>
-              <a:rPr lang="en-NZ" dirty="0" smtClean="0"/>
-              <a:t>Architecture</a:t>
+              <a:t>System Architecture</a:t>
             </a:r>
             <a:endParaRPr lang="en-NZ" dirty="0"/>
           </a:p>
@@ -4128,16 +4120,46 @@
             <a:endParaRPr lang="en-NZ" dirty="0" smtClean="0"/>
           </a:p>
           <a:p>
-            <a:r>
-              <a:rPr lang="en-NZ" dirty="0" smtClean="0"/>
-              <a:t>A top-level view of how the system works (diagrams help) </a:t>
-            </a:r>
+            <a:endParaRPr lang="en-NZ" dirty="0" smtClean="0"/>
           </a:p>
           <a:p>
             <a:endParaRPr lang="en-NZ" dirty="0"/>
           </a:p>
         </p:txBody>
       </p:sp>
+      <p:pic>
+        <p:nvPicPr>
+          <p:cNvPr id="4" name="Picture 3"/>
+          <p:cNvPicPr/>
+          <p:nvPr/>
+        </p:nvPicPr>
+        <p:blipFill>
+          <a:blip r:embed="rId2">
+            <a:clrChange>
+              <a:clrFrom>
+                <a:srgbClr val="FFFFFF"/>
+              </a:clrFrom>
+              <a:clrTo>
+                <a:srgbClr val="FFFFFF">
+                  <a:alpha val="0"/>
+                </a:srgbClr>
+              </a:clrTo>
+            </a:clrChange>
+          </a:blip>
+          <a:stretch>
+            <a:fillRect/>
+          </a:stretch>
+        </p:blipFill>
+        <p:spPr>
+          <a:xfrm>
+            <a:off x="1760951" y="3098922"/>
+            <a:ext cx="7726925" cy="2911109"/>
+          </a:xfrm>
+          <a:prstGeom prst="rect">
+            <a:avLst/>
+          </a:prstGeom>
+        </p:spPr>
+      </p:pic>
     </p:spTree>
   </p:cSld>
   <p:clrMapOvr>
@@ -4240,7 +4262,6 @@
               <a:rPr lang="en-NZ" dirty="0" smtClean="0"/>
               <a:t>Multiplayer mode (1-4 players)</a:t>
             </a:r>
-            <a:endParaRPr lang="en-NZ" dirty="0" smtClean="0"/>
           </a:p>
         </p:txBody>
       </p:sp>
@@ -4576,11 +4597,7 @@
           <a:p>
             <a:r>
               <a:rPr lang="en-NZ" dirty="0" smtClean="0"/>
-              <a:t>Special </a:t>
-            </a:r>
-            <a:r>
-              <a:rPr lang="en-NZ" dirty="0" smtClean="0"/>
-              <a:t>Features</a:t>
+              <a:t>Special Features</a:t>
             </a:r>
             <a:endParaRPr lang="en-NZ" dirty="0"/>
           </a:p>
@@ -4627,15 +4644,7 @@
           <a:p>
             <a:r>
               <a:rPr lang="en-NZ" dirty="0" smtClean="0"/>
-              <a:t>A </a:t>
-            </a:r>
-            <a:r>
-              <a:rPr lang="en-NZ" dirty="0" smtClean="0"/>
-              <a:t>campaign </a:t>
-            </a:r>
-            <a:r>
-              <a:rPr lang="en-NZ" dirty="0" smtClean="0"/>
-              <a:t>mode with a captivating storyline over 8 chapters</a:t>
+              <a:t>A campaign mode with a captivating storyline over 8 chapters</a:t>
             </a:r>
             <a:endParaRPr lang="en-NZ" dirty="0"/>
           </a:p>
@@ -4658,7 +4667,7 @@
         </p:blipFill>
         <p:spPr bwMode="auto">
           <a:xfrm>
-            <a:off x="627018" y="174172"/>
+            <a:off x="603571" y="181987"/>
             <a:ext cx="4680000" cy="4187191"/>
           </a:xfrm>
           <a:prstGeom prst="rect">
@@ -4690,7 +4699,7 @@
         </p:blipFill>
         <p:spPr bwMode="auto">
           <a:xfrm>
-            <a:off x="5143268" y="1645918"/>
+            <a:off x="3619268" y="1176995"/>
             <a:ext cx="4680000" cy="4190243"/>
           </a:xfrm>
           <a:prstGeom prst="rect">
@@ -4722,7 +4731,7 @@
         </p:blipFill>
         <p:spPr bwMode="auto">
           <a:xfrm>
-            <a:off x="361678" y="2107472"/>
+            <a:off x="6801552" y="2130916"/>
             <a:ext cx="4834777" cy="4320000"/>
           </a:xfrm>
           <a:prstGeom prst="rect">
@@ -4944,11 +4953,7 @@
           <a:p>
             <a:r>
               <a:rPr lang="en-NZ" dirty="0" smtClean="0"/>
-              <a:t>Current </a:t>
-            </a:r>
-            <a:r>
-              <a:rPr lang="en-NZ" dirty="0" smtClean="0"/>
-              <a:t>State</a:t>
+              <a:t>Current State</a:t>
             </a:r>
             <a:endParaRPr lang="en-NZ" dirty="0"/>
           </a:p>
@@ -4997,7 +5002,6 @@
               <a:rPr lang="en-NZ" dirty="0" smtClean="0"/>
               <a:t>Ability to easily continue developing and add more features</a:t>
             </a:r>
-            <a:endParaRPr lang="en-NZ" dirty="0" smtClean="0"/>
           </a:p>
           <a:p>
             <a:pPr>
@@ -5061,12 +5065,12 @@
           <a:lstStyle/>
           <a:p>
             <a:r>
-              <a:rPr lang="en-NZ" dirty="0" smtClean="0"/>
+              <a:rPr lang="en-NZ" smtClean="0"/>
               <a:t>Future </a:t>
             </a:r>
             <a:r>
-              <a:rPr lang="en-NZ" dirty="0" smtClean="0"/>
-              <a:t>Plans</a:t>
+              <a:rPr lang="en-NZ" smtClean="0"/>
+              <a:t>Possibilities</a:t>
             </a:r>
             <a:endParaRPr lang="en-NZ" dirty="0"/>
           </a:p>
@@ -5095,15 +5099,25 @@
           <a:p>
             <a:r>
               <a:rPr lang="en-NZ" dirty="0" smtClean="0"/>
-              <a:t>More </a:t>
-            </a:r>
+              <a:t>More game modes/types</a:t>
+            </a:r>
+          </a:p>
+          <a:p>
+            <a:endParaRPr lang="en-NZ" dirty="0" smtClean="0"/>
+          </a:p>
+          <a:p>
             <a:r>
               <a:rPr lang="en-NZ" dirty="0" smtClean="0"/>
-              <a:t>game </a:t>
-            </a:r>
+              <a:t>Possibility of putting it online</a:t>
+            </a:r>
+          </a:p>
+          <a:p>
+            <a:endParaRPr lang="en-NZ" dirty="0" smtClean="0"/>
+          </a:p>
+          <a:p>
             <a:r>
               <a:rPr lang="en-NZ" dirty="0" smtClean="0"/>
-              <a:t>modes/types</a:t>
+              <a:t>A longer and more detailed storyline</a:t>
             </a:r>
           </a:p>
           <a:p>
@@ -5112,39 +5126,13 @@
           <a:p>
             <a:r>
               <a:rPr lang="en-NZ" dirty="0" smtClean="0"/>
-              <a:t>Possibility of putting it </a:t>
+              <a:t>More countries with </a:t>
             </a:r>
             <a:r>
               <a:rPr lang="en-NZ" dirty="0" smtClean="0"/>
-              <a:t>online</a:t>
-            </a:r>
-          </a:p>
-          <a:p>
+              <a:t>more unique abilities</a:t>
+            </a:r>
             <a:endParaRPr lang="en-NZ" dirty="0" smtClean="0"/>
-          </a:p>
-          <a:p>
-            <a:r>
-              <a:rPr lang="en-NZ" dirty="0" smtClean="0"/>
-              <a:t>A </a:t>
-            </a:r>
-            <a:r>
-              <a:rPr lang="en-NZ" dirty="0" smtClean="0"/>
-              <a:t>longer and more detailed </a:t>
-            </a:r>
-            <a:r>
-              <a:rPr lang="en-NZ" dirty="0" smtClean="0"/>
-              <a:t>storyline</a:t>
-            </a:r>
-            <a:endParaRPr lang="en-NZ" dirty="0" smtClean="0"/>
-          </a:p>
-          <a:p>
-            <a:endParaRPr lang="en-NZ" dirty="0" smtClean="0"/>
-          </a:p>
-          <a:p>
-            <a:r>
-              <a:rPr lang="en-NZ" dirty="0" smtClean="0"/>
-              <a:t>More countries with more abilities to play as</a:t>
-            </a:r>
           </a:p>
         </p:txBody>
       </p:sp>

--- a/Group 01 Final Submission Presentation.pptx
+++ b/Group 01 Final Submission Presentation.pptx
@@ -112,7 +112,7 @@
   </p:defaultTextStyle>
   <p:extLst>
     <p:ext uri="{EFAFB233-063F-42B5-8137-9DF3F51BA10A}">
-      <p15:sldGuideLst xmlns:p15="http://schemas.microsoft.com/office/powerpoint/2012/main" xmlns=""/>
+      <p15:sldGuideLst xmlns="" xmlns:p15="http://schemas.microsoft.com/office/powerpoint/2012/main"/>
     </p:ext>
   </p:extLst>
 </p:presentation>
@@ -3938,7 +3938,7 @@
     </p:spTree>
     <p:extLst>
       <p:ext uri="{BB962C8B-B14F-4D97-AF65-F5344CB8AC3E}">
-        <p14:creationId xmlns:p14="http://schemas.microsoft.com/office/powerpoint/2010/main" xmlns="" val="3479275048"/>
+        <p14:creationId xmlns="" xmlns:p14="http://schemas.microsoft.com/office/powerpoint/2010/main" val="3479275048"/>
       </p:ext>
     </p:extLst>
   </p:cSld>
@@ -4042,7 +4042,7 @@
     </p:spTree>
     <p:extLst>
       <p:ext uri="{BB962C8B-B14F-4D97-AF65-F5344CB8AC3E}">
-        <p14:creationId xmlns:p14="http://schemas.microsoft.com/office/powerpoint/2010/main" xmlns="" val="1203431899"/>
+        <p14:creationId xmlns="" xmlns:p14="http://schemas.microsoft.com/office/powerpoint/2010/main" val="1203431899"/>
       </p:ext>
     </p:extLst>
   </p:cSld>
@@ -4265,34 +4265,6 @@
           </a:p>
         </p:txBody>
       </p:sp>
-      <p:pic>
-        <p:nvPicPr>
-          <p:cNvPr id="4" name="campaign.mp4">
-            <a:hlinkClick r:id="" action="ppaction://media"/>
-          </p:cNvPr>
-          <p:cNvPicPr>
-            <a:picLocks noRot="1" noChangeAspect="1"/>
-          </p:cNvPicPr>
-          <p:nvPr>
-            <a:videoFile r:link="rId1"/>
-          </p:nvPr>
-        </p:nvPicPr>
-        <p:blipFill>
-          <a:blip r:embed="rId4"/>
-          <a:stretch>
-            <a:fillRect/>
-          </a:stretch>
-        </p:blipFill>
-        <p:spPr>
-          <a:xfrm>
-            <a:off x="1184464" y="3342055"/>
-            <a:ext cx="1260000" cy="708751"/>
-          </a:xfrm>
-          <a:prstGeom prst="rect">
-            <a:avLst/>
-          </a:prstGeom>
-        </p:spPr>
-      </p:pic>
       <p:sp>
         <p:nvSpPr>
           <p:cNvPr id="6" name="TextBox 5"/>
@@ -4323,34 +4295,6 @@
           </a:p>
         </p:txBody>
       </p:sp>
-      <p:pic>
-        <p:nvPicPr>
-          <p:cNvPr id="5" name="menus.mp4">
-            <a:hlinkClick r:id="" action="ppaction://media"/>
-          </p:cNvPr>
-          <p:cNvPicPr>
-            <a:picLocks noRot="1" noChangeAspect="1"/>
-          </p:cNvPicPr>
-          <p:nvPr>
-            <a:videoFile r:link="rId2"/>
-          </p:nvPr>
-        </p:nvPicPr>
-        <p:blipFill>
-          <a:blip r:embed="rId4"/>
-          <a:stretch>
-            <a:fillRect/>
-          </a:stretch>
-        </p:blipFill>
-        <p:spPr>
-          <a:xfrm>
-            <a:off x="1184464" y="5240776"/>
-            <a:ext cx="1260000" cy="708750"/>
-          </a:xfrm>
-          <a:prstGeom prst="rect">
-            <a:avLst/>
-          </a:prstGeom>
-        </p:spPr>
-      </p:pic>
       <p:sp>
         <p:nvSpPr>
           <p:cNvPr id="8" name="TextBox 7"/>
@@ -4381,6 +4325,62 @@
           </a:p>
         </p:txBody>
       </p:sp>
+      <p:pic>
+        <p:nvPicPr>
+          <p:cNvPr id="9" name="campaign.mp4">
+            <a:hlinkClick r:id="" action="ppaction://media"/>
+          </p:cNvPr>
+          <p:cNvPicPr>
+            <a:picLocks noRot="1" noChangeAspect="1"/>
+          </p:cNvPicPr>
+          <p:nvPr>
+            <a:videoFile r:link="rId1"/>
+          </p:nvPr>
+        </p:nvPicPr>
+        <p:blipFill>
+          <a:blip r:embed="rId4"/>
+          <a:stretch>
+            <a:fillRect/>
+          </a:stretch>
+        </p:blipFill>
+        <p:spPr>
+          <a:xfrm>
+            <a:off x="1184464" y="3321536"/>
+            <a:ext cx="1080000" cy="607499"/>
+          </a:xfrm>
+          <a:prstGeom prst="rect">
+            <a:avLst/>
+          </a:prstGeom>
+        </p:spPr>
+      </p:pic>
+      <p:pic>
+        <p:nvPicPr>
+          <p:cNvPr id="10" name="menus.mp4">
+            <a:hlinkClick r:id="" action="ppaction://media"/>
+          </p:cNvPr>
+          <p:cNvPicPr>
+            <a:picLocks noRot="1" noChangeAspect="1"/>
+          </p:cNvPicPr>
+          <p:nvPr>
+            <a:videoFile r:link="rId2"/>
+          </p:nvPr>
+        </p:nvPicPr>
+        <p:blipFill>
+          <a:blip r:embed="rId4"/>
+          <a:stretch>
+            <a:fillRect/>
+          </a:stretch>
+        </p:blipFill>
+        <p:spPr>
+          <a:xfrm>
+            <a:off x="1184464" y="5231840"/>
+            <a:ext cx="1080000" cy="607500"/>
+          </a:xfrm>
+          <a:prstGeom prst="rect">
+            <a:avLst/>
+          </a:prstGeom>
+        </p:spPr>
+      </p:pic>
     </p:spTree>
   </p:cSld>
   <p:clrMapOvr>
@@ -4396,7 +4396,7 @@
                 <p:stCondLst>
                   <p:cond evt="onClick" delay="0">
                     <p:tgtEl>
-                      <p:spTgt spid="5"/>
+                      <p:spTgt spid="9"/>
                     </p:tgtEl>
                   </p:cond>
                 </p:stCondLst>
@@ -4426,7 +4426,7 @@
                                       <p:cBhvr>
                                         <p:cTn id="6" dur="1" fill="hold"/>
                                         <p:tgtEl>
-                                          <p:spTgt spid="5"/>
+                                          <p:spTgt spid="9"/>
                                         </p:tgtEl>
                                       </p:cBhvr>
                                     </p:cmd>
@@ -4444,7 +4444,7 @@
               <p:nextCondLst>
                 <p:cond evt="onClick" delay="0">
                   <p:tgtEl>
-                    <p:spTgt spid="5"/>
+                    <p:spTgt spid="9"/>
                   </p:tgtEl>
                 </p:cond>
               </p:nextCondLst>
@@ -4469,7 +4469,7 @@
                   </p:endCondLst>
                 </p:cTn>
                 <p:tgtEl>
-                  <p:spTgt spid="5"/>
+                  <p:spTgt spid="9"/>
                 </p:tgtEl>
               </p:cMediaNode>
             </p:video>
@@ -4478,7 +4478,7 @@
                 <p:stCondLst>
                   <p:cond evt="onClick" delay="0">
                     <p:tgtEl>
-                      <p:spTgt spid="4"/>
+                      <p:spTgt spid="10"/>
                     </p:tgtEl>
                   </p:cond>
                 </p:stCondLst>
@@ -4508,7 +4508,7 @@
                                       <p:cBhvr>
                                         <p:cTn id="12" dur="1" fill="hold"/>
                                         <p:tgtEl>
-                                          <p:spTgt spid="4"/>
+                                          <p:spTgt spid="10"/>
                                         </p:tgtEl>
                                       </p:cBhvr>
                                     </p:cmd>
@@ -4526,7 +4526,7 @@
               <p:nextCondLst>
                 <p:cond evt="onClick" delay="0">
                   <p:tgtEl>
-                    <p:spTgt spid="4"/>
+                    <p:spTgt spid="10"/>
                   </p:tgtEl>
                 </p:cond>
               </p:nextCondLst>
@@ -4551,7 +4551,7 @@
                   </p:endCondLst>
                 </p:cTn>
                 <p:tgtEl>
-                  <p:spTgt spid="4"/>
+                  <p:spTgt spid="10"/>
                 </p:tgtEl>
               </p:cMediaNode>
             </p:video>
@@ -5066,11 +5066,7 @@
           <a:p>
             <a:r>
               <a:rPr lang="en-NZ" smtClean="0"/>
-              <a:t>Future </a:t>
-            </a:r>
-            <a:r>
-              <a:rPr lang="en-NZ" smtClean="0"/>
-              <a:t>Possibilities</a:t>
+              <a:t>Future Possibilities</a:t>
             </a:r>
             <a:endParaRPr lang="en-NZ" dirty="0"/>
           </a:p>
@@ -5126,13 +5122,8 @@
           <a:p>
             <a:r>
               <a:rPr lang="en-NZ" dirty="0" smtClean="0"/>
-              <a:t>More countries with </a:t>
-            </a:r>
-            <a:r>
-              <a:rPr lang="en-NZ" dirty="0" smtClean="0"/>
-              <a:t>more unique abilities</a:t>
-            </a:r>
-            <a:endParaRPr lang="en-NZ" dirty="0" smtClean="0"/>
+              <a:t>More countries with more unique abilities</a:t>
+            </a:r>
           </a:p>
         </p:txBody>
       </p:sp>
